--- a/Diplomarbeit/Powerpoint/Elektrotechnik.pptx
+++ b/Diplomarbeit/Powerpoint/Elektrotechnik.pptx
@@ -9,6 +9,13 @@
     <p:sldId id="257" r:id="rId3"/>
     <p:sldId id="258" r:id="rId4"/>
     <p:sldId id="259" r:id="rId5"/>
+    <p:sldId id="260" r:id="rId6"/>
+    <p:sldId id="261" r:id="rId7"/>
+    <p:sldId id="262" r:id="rId8"/>
+    <p:sldId id="263" r:id="rId9"/>
+    <p:sldId id="264" r:id="rId10"/>
+    <p:sldId id="265" r:id="rId11"/>
+    <p:sldId id="266" r:id="rId12"/>
   </p:sldIdLst>
   <p:sldSz cx="12192000" cy="6858000"/>
   <p:notesSz cx="6858000" cy="9144000"/>
@@ -107,7 +114,16 @@
       </a:defRPr>
     </a:lvl9pPr>
   </p:defaultTextStyle>
+  <p:extLst>
+    <p:ext uri="{EFAFB233-063F-42B5-8137-9DF3F51BA10A}">
+      <p15:sldGuideLst xmlns:p15="http://schemas.microsoft.com/office/powerpoint/2012/main"/>
+    </p:ext>
+  </p:extLst>
 </p:presentation>
+</file>
+
+<file path=ppt/revisionInfo.xml><?xml version="1.0" encoding="utf-8"?>
+<p1510:revInfo xmlns:a="http://schemas.openxmlformats.org/drawingml/2006/main" xmlns:r="http://schemas.openxmlformats.org/officeDocument/2006/relationships" xmlns:p1510="http://schemas.microsoft.com/office/powerpoint/2015/10/main"/>
 </file>
 
 <file path=ppt/slideLayouts/slideLayout1.xml><?xml version="1.0" encoding="utf-8"?>
@@ -3426,6 +3442,189 @@
 </p:sld>
 </file>
 
+<file path=ppt/slides/slide10.xml><?xml version="1.0" encoding="utf-8"?>
+<p:sld xmlns:a="http://schemas.openxmlformats.org/drawingml/2006/main" xmlns:r="http://schemas.openxmlformats.org/officeDocument/2006/relationships" xmlns:p="http://schemas.openxmlformats.org/presentationml/2006/main">
+  <p:cSld>
+    <p:spTree>
+      <p:nvGrpSpPr>
+        <p:cNvPr id="1" name=""/>
+        <p:cNvGrpSpPr/>
+        <p:nvPr/>
+      </p:nvGrpSpPr>
+      <p:grpSpPr>
+        <a:xfrm>
+          <a:off x="0" y="0"/>
+          <a:ext cx="0" cy="0"/>
+          <a:chOff x="0" y="0"/>
+          <a:chExt cx="0" cy="0"/>
+        </a:xfrm>
+      </p:grpSpPr>
+      <p:sp>
+        <p:nvSpPr>
+          <p:cNvPr id="2" name="Titel 1">
+            <a:extLst>
+              <a:ext uri="{FF2B5EF4-FFF2-40B4-BE49-F238E27FC236}">
+                <a16:creationId xmlns:a16="http://schemas.microsoft.com/office/drawing/2014/main" id="{7491792C-894E-4F4C-87AA-ECFC91F4F345}"/>
+              </a:ext>
+            </a:extLst>
+          </p:cNvPr>
+          <p:cNvSpPr>
+            <a:spLocks noGrp="1"/>
+          </p:cNvSpPr>
+          <p:nvPr>
+            <p:ph type="title"/>
+          </p:nvPr>
+        </p:nvSpPr>
+        <p:spPr/>
+        <p:txBody>
+          <a:bodyPr/>
+          <a:lstStyle/>
+          <a:p>
+            <a:endParaRPr lang="de-AT"/>
+          </a:p>
+        </p:txBody>
+      </p:sp>
+      <p:sp>
+        <p:nvSpPr>
+          <p:cNvPr id="3" name="Inhaltsplatzhalter 2">
+            <a:extLst>
+              <a:ext uri="{FF2B5EF4-FFF2-40B4-BE49-F238E27FC236}">
+                <a16:creationId xmlns:a16="http://schemas.microsoft.com/office/drawing/2014/main" id="{678E2CE9-EE33-4E01-AFD8-8E88F90BC84A}"/>
+              </a:ext>
+            </a:extLst>
+          </p:cNvPr>
+          <p:cNvSpPr>
+            <a:spLocks noGrp="1"/>
+          </p:cNvSpPr>
+          <p:nvPr>
+            <p:ph idx="1"/>
+          </p:nvPr>
+        </p:nvSpPr>
+        <p:spPr/>
+        <p:txBody>
+          <a:bodyPr>
+            <a:normAutofit/>
+          </a:bodyPr>
+          <a:lstStyle/>
+          <a:p>
+            <a:pPr marL="0" indent="0" algn="ctr">
+              <a:buNone/>
+            </a:pPr>
+            <a:r>
+              <a:rPr lang="de-AT" sz="4400" dirty="0"/>
+              <a:t>Danke für Ihre Aufmerksamkeit</a:t>
+            </a:r>
+          </a:p>
+        </p:txBody>
+      </p:sp>
+    </p:spTree>
+    <p:extLst>
+      <p:ext uri="{BB962C8B-B14F-4D97-AF65-F5344CB8AC3E}">
+        <p14:creationId xmlns:p14="http://schemas.microsoft.com/office/powerpoint/2010/main" val="2638570960"/>
+      </p:ext>
+    </p:extLst>
+  </p:cSld>
+  <p:clrMapOvr>
+    <a:masterClrMapping/>
+  </p:clrMapOvr>
+</p:sld>
+</file>
+
+<file path=ppt/slides/slide11.xml><?xml version="1.0" encoding="utf-8"?>
+<p:sld xmlns:a="http://schemas.openxmlformats.org/drawingml/2006/main" xmlns:r="http://schemas.openxmlformats.org/officeDocument/2006/relationships" xmlns:p="http://schemas.openxmlformats.org/presentationml/2006/main">
+  <p:cSld>
+    <p:spTree>
+      <p:nvGrpSpPr>
+        <p:cNvPr id="1" name=""/>
+        <p:cNvGrpSpPr/>
+        <p:nvPr/>
+      </p:nvGrpSpPr>
+      <p:grpSpPr>
+        <a:xfrm>
+          <a:off x="0" y="0"/>
+          <a:ext cx="0" cy="0"/>
+          <a:chOff x="0" y="0"/>
+          <a:chExt cx="0" cy="0"/>
+        </a:xfrm>
+      </p:grpSpPr>
+      <p:sp>
+        <p:nvSpPr>
+          <p:cNvPr id="2" name="Titel 1">
+            <a:extLst>
+              <a:ext uri="{FF2B5EF4-FFF2-40B4-BE49-F238E27FC236}">
+                <a16:creationId xmlns:a16="http://schemas.microsoft.com/office/drawing/2014/main" id="{52E62719-DDC1-49B6-AD91-CFE8C708068F}"/>
+              </a:ext>
+            </a:extLst>
+          </p:cNvPr>
+          <p:cNvSpPr>
+            <a:spLocks noGrp="1"/>
+          </p:cNvSpPr>
+          <p:nvPr>
+            <p:ph type="title"/>
+          </p:nvPr>
+        </p:nvSpPr>
+        <p:spPr/>
+        <p:txBody>
+          <a:bodyPr/>
+          <a:lstStyle/>
+          <a:p>
+            <a:endParaRPr lang="de-AT"/>
+          </a:p>
+        </p:txBody>
+      </p:sp>
+      <p:sp>
+        <p:nvSpPr>
+          <p:cNvPr id="3" name="Inhaltsplatzhalter 2">
+            <a:extLst>
+              <a:ext uri="{FF2B5EF4-FFF2-40B4-BE49-F238E27FC236}">
+                <a16:creationId xmlns:a16="http://schemas.microsoft.com/office/drawing/2014/main" id="{484426A6-157A-49FB-ABC1-8A71AAE9E3C0}"/>
+              </a:ext>
+            </a:extLst>
+          </p:cNvPr>
+          <p:cNvSpPr>
+            <a:spLocks noGrp="1"/>
+          </p:cNvSpPr>
+          <p:nvPr>
+            <p:ph idx="1"/>
+          </p:nvPr>
+        </p:nvSpPr>
+        <p:spPr/>
+        <p:txBody>
+          <a:bodyPr>
+            <a:normAutofit/>
+          </a:bodyPr>
+          <a:lstStyle/>
+          <a:p>
+            <a:pPr marL="0" indent="0" algn="ctr">
+              <a:buNone/>
+            </a:pPr>
+            <a:endParaRPr lang="de-AT" sz="4400" dirty="0"/>
+          </a:p>
+          <a:p>
+            <a:pPr marL="0" indent="0" algn="ctr">
+              <a:buNone/>
+            </a:pPr>
+            <a:r>
+              <a:rPr lang="de-AT" sz="7200" b="1" dirty="0" err="1"/>
+              <a:t>Defensio</a:t>
+            </a:r>
+            <a:endParaRPr lang="de-AT" sz="7200" b="1" dirty="0"/>
+          </a:p>
+        </p:txBody>
+      </p:sp>
+    </p:spTree>
+    <p:extLst>
+      <p:ext uri="{BB962C8B-B14F-4D97-AF65-F5344CB8AC3E}">
+        <p14:creationId xmlns:p14="http://schemas.microsoft.com/office/powerpoint/2010/main" val="3976638720"/>
+      </p:ext>
+    </p:extLst>
+  </p:cSld>
+  <p:clrMapOvr>
+    <a:masterClrMapping/>
+  </p:clrMapOvr>
+</p:sld>
+</file>
+
 <file path=ppt/slides/slide2.xml><?xml version="1.0" encoding="utf-8"?>
 <p:sld xmlns:a="http://schemas.openxmlformats.org/drawingml/2006/main" xmlns:r="http://schemas.openxmlformats.org/officeDocument/2006/relationships" xmlns:p="http://schemas.openxmlformats.org/presentationml/2006/main">
   <p:cSld>
@@ -3527,6 +3726,32 @@
           </a:p>
           <a:p>
             <a:pPr lvl="1"/>
+            <a:r>
+              <a:rPr lang="de-AT" dirty="0" err="1"/>
+              <a:t>Sensorikansteuerung</a:t>
+            </a:r>
+            <a:endParaRPr lang="de-AT" dirty="0"/>
+          </a:p>
+          <a:p>
+            <a:pPr lvl="1"/>
+            <a:r>
+              <a:rPr lang="de-AT" dirty="0"/>
+              <a:t>Steuerung</a:t>
+            </a:r>
+          </a:p>
+          <a:p>
+            <a:pPr lvl="1"/>
+            <a:r>
+              <a:rPr lang="de-AT" dirty="0"/>
+              <a:t>Probleme</a:t>
+            </a:r>
+          </a:p>
+          <a:p>
+            <a:pPr lvl="1"/>
+            <a:r>
+              <a:rPr lang="de-AT" dirty="0" err="1"/>
+              <a:t>Resumee</a:t>
+            </a:r>
             <a:endParaRPr lang="de-AT" dirty="0"/>
           </a:p>
           <a:p>
@@ -3695,7 +3920,10 @@
           <a:bodyPr/>
           <a:lstStyle/>
           <a:p>
-            <a:endParaRPr lang="de-AT"/>
+            <a:r>
+              <a:rPr lang="de-AT" dirty="0"/>
+              <a:t>Förderbandelektronik</a:t>
+            </a:r>
           </a:p>
         </p:txBody>
       </p:sp>
@@ -3720,7 +3948,23 @@
           <a:bodyPr/>
           <a:lstStyle/>
           <a:p>
-            <a:endParaRPr lang="de-AT"/>
+            <a:r>
+              <a:rPr lang="de-AT" dirty="0"/>
+              <a:t>Robuster starker Motor</a:t>
+            </a:r>
+          </a:p>
+          <a:p>
+            <a:pPr lvl="1"/>
+            <a:r>
+              <a:rPr lang="de-AT" dirty="0"/>
+              <a:t>Sperrt stromlos</a:t>
+            </a:r>
+          </a:p>
+          <a:p>
+            <a:r>
+              <a:rPr lang="de-AT" dirty="0"/>
+              <a:t>Sensorik zur Fehlererkennung</a:t>
+            </a:r>
           </a:p>
         </p:txBody>
       </p:sp>
@@ -3728,6 +3972,554 @@
     <p:extLst>
       <p:ext uri="{BB962C8B-B14F-4D97-AF65-F5344CB8AC3E}">
         <p14:creationId xmlns:p14="http://schemas.microsoft.com/office/powerpoint/2010/main" val="921929163"/>
+      </p:ext>
+    </p:extLst>
+  </p:cSld>
+  <p:clrMapOvr>
+    <a:masterClrMapping/>
+  </p:clrMapOvr>
+</p:sld>
+</file>
+
+<file path=ppt/slides/slide5.xml><?xml version="1.0" encoding="utf-8"?>
+<p:sld xmlns:a="http://schemas.openxmlformats.org/drawingml/2006/main" xmlns:r="http://schemas.openxmlformats.org/officeDocument/2006/relationships" xmlns:p="http://schemas.openxmlformats.org/presentationml/2006/main">
+  <p:cSld>
+    <p:spTree>
+      <p:nvGrpSpPr>
+        <p:cNvPr id="1" name=""/>
+        <p:cNvGrpSpPr/>
+        <p:nvPr/>
+      </p:nvGrpSpPr>
+      <p:grpSpPr>
+        <a:xfrm>
+          <a:off x="0" y="0"/>
+          <a:ext cx="0" cy="0"/>
+          <a:chOff x="0" y="0"/>
+          <a:chExt cx="0" cy="0"/>
+        </a:xfrm>
+      </p:grpSpPr>
+      <p:sp>
+        <p:nvSpPr>
+          <p:cNvPr id="2" name="Titel 1">
+            <a:extLst>
+              <a:ext uri="{FF2B5EF4-FFF2-40B4-BE49-F238E27FC236}">
+                <a16:creationId xmlns:a16="http://schemas.microsoft.com/office/drawing/2014/main" id="{3DCA1917-FCD2-483A-BBF8-B07AB36274ED}"/>
+              </a:ext>
+            </a:extLst>
+          </p:cNvPr>
+          <p:cNvSpPr>
+            <a:spLocks noGrp="1"/>
+          </p:cNvSpPr>
+          <p:nvPr>
+            <p:ph type="title"/>
+          </p:nvPr>
+        </p:nvSpPr>
+        <p:spPr/>
+        <p:txBody>
+          <a:bodyPr/>
+          <a:lstStyle/>
+          <a:p>
+            <a:r>
+              <a:rPr lang="de-AT" dirty="0"/>
+              <a:t>Futterschüsseldrehplattenelektronik</a:t>
+            </a:r>
+          </a:p>
+        </p:txBody>
+      </p:sp>
+      <p:sp>
+        <p:nvSpPr>
+          <p:cNvPr id="3" name="Inhaltsplatzhalter 2">
+            <a:extLst>
+              <a:ext uri="{FF2B5EF4-FFF2-40B4-BE49-F238E27FC236}">
+                <a16:creationId xmlns:a16="http://schemas.microsoft.com/office/drawing/2014/main" id="{6A6576A6-ACE6-4F3C-9AD7-CC07C602D6A3}"/>
+              </a:ext>
+            </a:extLst>
+          </p:cNvPr>
+          <p:cNvSpPr>
+            <a:spLocks noGrp="1"/>
+          </p:cNvSpPr>
+          <p:nvPr>
+            <p:ph idx="1"/>
+          </p:nvPr>
+        </p:nvSpPr>
+        <p:spPr/>
+        <p:txBody>
+          <a:bodyPr/>
+          <a:lstStyle/>
+          <a:p>
+            <a:r>
+              <a:rPr lang="de-AT" dirty="0"/>
+              <a:t>Robuster starker Motor</a:t>
+            </a:r>
+          </a:p>
+          <a:p>
+            <a:pPr lvl="1"/>
+            <a:r>
+              <a:rPr lang="de-AT" dirty="0"/>
+              <a:t>Sperrt stromlos</a:t>
+            </a:r>
+          </a:p>
+          <a:p>
+            <a:r>
+              <a:rPr lang="de-AT" dirty="0"/>
+              <a:t>Sensorik zur Fehlererkennung und Positionsbestimmung</a:t>
+            </a:r>
+          </a:p>
+          <a:p>
+            <a:endParaRPr lang="de-AT" dirty="0"/>
+          </a:p>
+        </p:txBody>
+      </p:sp>
+    </p:spTree>
+    <p:extLst>
+      <p:ext uri="{BB962C8B-B14F-4D97-AF65-F5344CB8AC3E}">
+        <p14:creationId xmlns:p14="http://schemas.microsoft.com/office/powerpoint/2010/main" val="3140114181"/>
+      </p:ext>
+    </p:extLst>
+  </p:cSld>
+  <p:clrMapOvr>
+    <a:masterClrMapping/>
+  </p:clrMapOvr>
+</p:sld>
+</file>
+
+<file path=ppt/slides/slide6.xml><?xml version="1.0" encoding="utf-8"?>
+<p:sld xmlns:a="http://schemas.openxmlformats.org/drawingml/2006/main" xmlns:r="http://schemas.openxmlformats.org/officeDocument/2006/relationships" xmlns:p="http://schemas.openxmlformats.org/presentationml/2006/main">
+  <p:cSld>
+    <p:spTree>
+      <p:nvGrpSpPr>
+        <p:cNvPr id="1" name=""/>
+        <p:cNvGrpSpPr/>
+        <p:nvPr/>
+      </p:nvGrpSpPr>
+      <p:grpSpPr>
+        <a:xfrm>
+          <a:off x="0" y="0"/>
+          <a:ext cx="0" cy="0"/>
+          <a:chOff x="0" y="0"/>
+          <a:chExt cx="0" cy="0"/>
+        </a:xfrm>
+      </p:grpSpPr>
+      <p:sp>
+        <p:nvSpPr>
+          <p:cNvPr id="2" name="Titel 1">
+            <a:extLst>
+              <a:ext uri="{FF2B5EF4-FFF2-40B4-BE49-F238E27FC236}">
+                <a16:creationId xmlns:a16="http://schemas.microsoft.com/office/drawing/2014/main" id="{6FFDF5D6-7E16-4155-834F-A91993D045D0}"/>
+              </a:ext>
+            </a:extLst>
+          </p:cNvPr>
+          <p:cNvSpPr>
+            <a:spLocks noGrp="1"/>
+          </p:cNvSpPr>
+          <p:nvPr>
+            <p:ph type="title"/>
+          </p:nvPr>
+        </p:nvSpPr>
+        <p:spPr/>
+        <p:txBody>
+          <a:bodyPr/>
+          <a:lstStyle/>
+          <a:p>
+            <a:r>
+              <a:rPr lang="de-AT" dirty="0"/>
+              <a:t>Motoransteuerung</a:t>
+            </a:r>
+          </a:p>
+        </p:txBody>
+      </p:sp>
+      <p:sp>
+        <p:nvSpPr>
+          <p:cNvPr id="3" name="Inhaltsplatzhalter 2">
+            <a:extLst>
+              <a:ext uri="{FF2B5EF4-FFF2-40B4-BE49-F238E27FC236}">
+                <a16:creationId xmlns:a16="http://schemas.microsoft.com/office/drawing/2014/main" id="{8FF006E2-80D6-4622-BC19-F508AAEDE24B}"/>
+              </a:ext>
+            </a:extLst>
+          </p:cNvPr>
+          <p:cNvSpPr>
+            <a:spLocks noGrp="1"/>
+          </p:cNvSpPr>
+          <p:nvPr>
+            <p:ph idx="1"/>
+          </p:nvPr>
+        </p:nvSpPr>
+        <p:spPr/>
+        <p:txBody>
+          <a:bodyPr/>
+          <a:lstStyle/>
+          <a:p>
+            <a:r>
+              <a:rPr lang="de-AT" dirty="0"/>
+              <a:t>Digital</a:t>
+            </a:r>
+          </a:p>
+          <a:p>
+            <a:r>
+              <a:rPr lang="de-AT" dirty="0"/>
+              <a:t>Kompakt</a:t>
+            </a:r>
+          </a:p>
+          <a:p>
+            <a:r>
+              <a:rPr lang="de-AT" dirty="0"/>
+              <a:t>Hohe Leistung</a:t>
+            </a:r>
+          </a:p>
+          <a:p>
+            <a:r>
+              <a:rPr lang="de-AT" dirty="0" err="1"/>
+              <a:t>Drehzalregelung</a:t>
+            </a:r>
+            <a:r>
+              <a:rPr lang="de-AT" dirty="0"/>
+              <a:t> mittels PWM</a:t>
+            </a:r>
+          </a:p>
+          <a:p>
+            <a:r>
+              <a:rPr lang="de-AT" dirty="0"/>
+              <a:t>Günstig</a:t>
+            </a:r>
+          </a:p>
+        </p:txBody>
+      </p:sp>
+    </p:spTree>
+    <p:extLst>
+      <p:ext uri="{BB962C8B-B14F-4D97-AF65-F5344CB8AC3E}">
+        <p14:creationId xmlns:p14="http://schemas.microsoft.com/office/powerpoint/2010/main" val="332216696"/>
+      </p:ext>
+    </p:extLst>
+  </p:cSld>
+  <p:clrMapOvr>
+    <a:masterClrMapping/>
+  </p:clrMapOvr>
+</p:sld>
+</file>
+
+<file path=ppt/slides/slide7.xml><?xml version="1.0" encoding="utf-8"?>
+<p:sld xmlns:a="http://schemas.openxmlformats.org/drawingml/2006/main" xmlns:r="http://schemas.openxmlformats.org/officeDocument/2006/relationships" xmlns:p="http://schemas.openxmlformats.org/presentationml/2006/main">
+  <p:cSld>
+    <p:spTree>
+      <p:nvGrpSpPr>
+        <p:cNvPr id="1" name=""/>
+        <p:cNvGrpSpPr/>
+        <p:nvPr/>
+      </p:nvGrpSpPr>
+      <p:grpSpPr>
+        <a:xfrm>
+          <a:off x="0" y="0"/>
+          <a:ext cx="0" cy="0"/>
+          <a:chOff x="0" y="0"/>
+          <a:chExt cx="0" cy="0"/>
+        </a:xfrm>
+      </p:grpSpPr>
+      <p:sp>
+        <p:nvSpPr>
+          <p:cNvPr id="2" name="Titel 1">
+            <a:extLst>
+              <a:ext uri="{FF2B5EF4-FFF2-40B4-BE49-F238E27FC236}">
+                <a16:creationId xmlns:a16="http://schemas.microsoft.com/office/drawing/2014/main" id="{1EC1873C-ED0E-4184-8C84-DF6E3AC9C696}"/>
+              </a:ext>
+            </a:extLst>
+          </p:cNvPr>
+          <p:cNvSpPr>
+            <a:spLocks noGrp="1"/>
+          </p:cNvSpPr>
+          <p:nvPr>
+            <p:ph type="title"/>
+          </p:nvPr>
+        </p:nvSpPr>
+        <p:spPr/>
+        <p:txBody>
+          <a:bodyPr/>
+          <a:lstStyle/>
+          <a:p>
+            <a:r>
+              <a:rPr lang="de-AT" dirty="0"/>
+              <a:t>Sensoransteuerung</a:t>
+            </a:r>
+          </a:p>
+        </p:txBody>
+      </p:sp>
+      <p:sp>
+        <p:nvSpPr>
+          <p:cNvPr id="3" name="Inhaltsplatzhalter 2">
+            <a:extLst>
+              <a:ext uri="{FF2B5EF4-FFF2-40B4-BE49-F238E27FC236}">
+                <a16:creationId xmlns:a16="http://schemas.microsoft.com/office/drawing/2014/main" id="{2412BEBB-08F3-4E9A-B9AF-7D953DAECB1D}"/>
+              </a:ext>
+            </a:extLst>
+          </p:cNvPr>
+          <p:cNvSpPr>
+            <a:spLocks noGrp="1"/>
+          </p:cNvSpPr>
+          <p:nvPr>
+            <p:ph idx="1"/>
+          </p:nvPr>
+        </p:nvSpPr>
+        <p:spPr/>
+        <p:txBody>
+          <a:bodyPr/>
+          <a:lstStyle/>
+          <a:p>
+            <a:r>
+              <a:rPr lang="de-AT" dirty="0"/>
+              <a:t>Digital</a:t>
+            </a:r>
+          </a:p>
+          <a:p>
+            <a:r>
+              <a:rPr lang="de-AT" dirty="0"/>
+              <a:t>Einfach</a:t>
+            </a:r>
+          </a:p>
+          <a:p>
+            <a:r>
+              <a:rPr lang="de-AT" dirty="0"/>
+              <a:t>Günstig</a:t>
+            </a:r>
+          </a:p>
+        </p:txBody>
+      </p:sp>
+    </p:spTree>
+    <p:extLst>
+      <p:ext uri="{BB962C8B-B14F-4D97-AF65-F5344CB8AC3E}">
+        <p14:creationId xmlns:p14="http://schemas.microsoft.com/office/powerpoint/2010/main" val="2484141720"/>
+      </p:ext>
+    </p:extLst>
+  </p:cSld>
+  <p:clrMapOvr>
+    <a:masterClrMapping/>
+  </p:clrMapOvr>
+</p:sld>
+</file>
+
+<file path=ppt/slides/slide8.xml><?xml version="1.0" encoding="utf-8"?>
+<p:sld xmlns:a="http://schemas.openxmlformats.org/drawingml/2006/main" xmlns:r="http://schemas.openxmlformats.org/officeDocument/2006/relationships" xmlns:p="http://schemas.openxmlformats.org/presentationml/2006/main">
+  <p:cSld>
+    <p:spTree>
+      <p:nvGrpSpPr>
+        <p:cNvPr id="1" name=""/>
+        <p:cNvGrpSpPr/>
+        <p:nvPr/>
+      </p:nvGrpSpPr>
+      <p:grpSpPr>
+        <a:xfrm>
+          <a:off x="0" y="0"/>
+          <a:ext cx="0" cy="0"/>
+          <a:chOff x="0" y="0"/>
+          <a:chExt cx="0" cy="0"/>
+        </a:xfrm>
+      </p:grpSpPr>
+      <p:sp>
+        <p:nvSpPr>
+          <p:cNvPr id="2" name="Titel 1">
+            <a:extLst>
+              <a:ext uri="{FF2B5EF4-FFF2-40B4-BE49-F238E27FC236}">
+                <a16:creationId xmlns:a16="http://schemas.microsoft.com/office/drawing/2014/main" id="{503E2AAD-D49F-438B-95E2-355F16C78BEE}"/>
+              </a:ext>
+            </a:extLst>
+          </p:cNvPr>
+          <p:cNvSpPr>
+            <a:spLocks noGrp="1"/>
+          </p:cNvSpPr>
+          <p:nvPr>
+            <p:ph type="title"/>
+          </p:nvPr>
+        </p:nvSpPr>
+        <p:spPr/>
+        <p:txBody>
+          <a:bodyPr/>
+          <a:lstStyle/>
+          <a:p>
+            <a:r>
+              <a:rPr lang="de-AT" dirty="0"/>
+              <a:t>Steuerung</a:t>
+            </a:r>
+          </a:p>
+        </p:txBody>
+      </p:sp>
+      <p:sp>
+        <p:nvSpPr>
+          <p:cNvPr id="3" name="Inhaltsplatzhalter 2">
+            <a:extLst>
+              <a:ext uri="{FF2B5EF4-FFF2-40B4-BE49-F238E27FC236}">
+                <a16:creationId xmlns:a16="http://schemas.microsoft.com/office/drawing/2014/main" id="{24BB929B-5F58-4ECE-AF00-8A8B65C02F61}"/>
+              </a:ext>
+            </a:extLst>
+          </p:cNvPr>
+          <p:cNvSpPr>
+            <a:spLocks noGrp="1"/>
+          </p:cNvSpPr>
+          <p:nvPr>
+            <p:ph idx="1"/>
+          </p:nvPr>
+        </p:nvSpPr>
+        <p:spPr/>
+        <p:txBody>
+          <a:bodyPr/>
+          <a:lstStyle/>
+          <a:p>
+            <a:r>
+              <a:rPr lang="de-AT" dirty="0"/>
+              <a:t>Raspberry:</a:t>
+            </a:r>
+          </a:p>
+          <a:p>
+            <a:pPr lvl="1"/>
+            <a:r>
+              <a:rPr lang="de-AT" dirty="0"/>
+              <a:t>Ausgabe digitaler Signale mittels </a:t>
+            </a:r>
+            <a:r>
+              <a:rPr lang="de-AT" dirty="0" err="1"/>
+              <a:t>onboard</a:t>
+            </a:r>
+            <a:r>
+              <a:rPr lang="de-AT" dirty="0"/>
+              <a:t>-Pins</a:t>
+            </a:r>
+          </a:p>
+          <a:p>
+            <a:pPr lvl="1"/>
+            <a:r>
+              <a:rPr lang="de-AT" dirty="0"/>
+              <a:t>Auswertung digitaler Signale mittels </a:t>
+            </a:r>
+            <a:r>
+              <a:rPr lang="de-AT" dirty="0" err="1"/>
+              <a:t>onboard</a:t>
+            </a:r>
+            <a:r>
+              <a:rPr lang="de-AT" dirty="0"/>
+              <a:t>-Pins</a:t>
+            </a:r>
+          </a:p>
+          <a:p>
+            <a:pPr lvl="1"/>
+            <a:endParaRPr lang="de-AT" dirty="0"/>
+          </a:p>
+          <a:p>
+            <a:r>
+              <a:rPr lang="de-AT" dirty="0"/>
+              <a:t>Arduino Nano:</a:t>
+            </a:r>
+          </a:p>
+          <a:p>
+            <a:pPr lvl="1"/>
+            <a:r>
+              <a:rPr lang="de-AT" dirty="0"/>
+              <a:t>PWM-Signal </a:t>
+            </a:r>
+            <a:r>
+              <a:rPr lang="de-AT" dirty="0" err="1"/>
+              <a:t>generation</a:t>
+            </a:r>
+            <a:endParaRPr lang="de-AT" dirty="0"/>
+          </a:p>
+          <a:p>
+            <a:pPr lvl="1"/>
+            <a:endParaRPr lang="de-AT" dirty="0"/>
+          </a:p>
+        </p:txBody>
+      </p:sp>
+    </p:spTree>
+    <p:extLst>
+      <p:ext uri="{BB962C8B-B14F-4D97-AF65-F5344CB8AC3E}">
+        <p14:creationId xmlns:p14="http://schemas.microsoft.com/office/powerpoint/2010/main" val="3157624991"/>
+      </p:ext>
+    </p:extLst>
+  </p:cSld>
+  <p:clrMapOvr>
+    <a:masterClrMapping/>
+  </p:clrMapOvr>
+</p:sld>
+</file>
+
+<file path=ppt/slides/slide9.xml><?xml version="1.0" encoding="utf-8"?>
+<p:sld xmlns:a="http://schemas.openxmlformats.org/drawingml/2006/main" xmlns:r="http://schemas.openxmlformats.org/officeDocument/2006/relationships" xmlns:p="http://schemas.openxmlformats.org/presentationml/2006/main">
+  <p:cSld>
+    <p:spTree>
+      <p:nvGrpSpPr>
+        <p:cNvPr id="1" name=""/>
+        <p:cNvGrpSpPr/>
+        <p:nvPr/>
+      </p:nvGrpSpPr>
+      <p:grpSpPr>
+        <a:xfrm>
+          <a:off x="0" y="0"/>
+          <a:ext cx="0" cy="0"/>
+          <a:chOff x="0" y="0"/>
+          <a:chExt cx="0" cy="0"/>
+        </a:xfrm>
+      </p:grpSpPr>
+      <p:sp>
+        <p:nvSpPr>
+          <p:cNvPr id="2" name="Titel 1">
+            <a:extLst>
+              <a:ext uri="{FF2B5EF4-FFF2-40B4-BE49-F238E27FC236}">
+                <a16:creationId xmlns:a16="http://schemas.microsoft.com/office/drawing/2014/main" id="{978D5B09-C9B5-4508-B42C-C9189CA6663D}"/>
+              </a:ext>
+            </a:extLst>
+          </p:cNvPr>
+          <p:cNvSpPr>
+            <a:spLocks noGrp="1"/>
+          </p:cNvSpPr>
+          <p:nvPr>
+            <p:ph type="title"/>
+          </p:nvPr>
+        </p:nvSpPr>
+        <p:spPr/>
+        <p:txBody>
+          <a:bodyPr/>
+          <a:lstStyle/>
+          <a:p>
+            <a:r>
+              <a:rPr lang="de-AT" dirty="0"/>
+              <a:t>Probleme</a:t>
+            </a:r>
+          </a:p>
+        </p:txBody>
+      </p:sp>
+      <p:sp>
+        <p:nvSpPr>
+          <p:cNvPr id="3" name="Inhaltsplatzhalter 2">
+            <a:extLst>
+              <a:ext uri="{FF2B5EF4-FFF2-40B4-BE49-F238E27FC236}">
+                <a16:creationId xmlns:a16="http://schemas.microsoft.com/office/drawing/2014/main" id="{7D7396FD-71D1-4365-9748-120D1E1E70C1}"/>
+              </a:ext>
+            </a:extLst>
+          </p:cNvPr>
+          <p:cNvSpPr>
+            <a:spLocks noGrp="1"/>
+          </p:cNvSpPr>
+          <p:nvPr>
+            <p:ph idx="1"/>
+          </p:nvPr>
+        </p:nvSpPr>
+        <p:spPr/>
+        <p:txBody>
+          <a:bodyPr/>
+          <a:lstStyle/>
+          <a:p>
+            <a:r>
+              <a:rPr lang="de-AT" dirty="0"/>
+              <a:t>Zeiteinteilung</a:t>
+            </a:r>
+          </a:p>
+          <a:p>
+            <a:r>
+              <a:rPr lang="de-AT" dirty="0"/>
+              <a:t>Motorsteuerung</a:t>
+            </a:r>
+          </a:p>
+        </p:txBody>
+      </p:sp>
+    </p:spTree>
+    <p:extLst>
+      <p:ext uri="{BB962C8B-B14F-4D97-AF65-F5344CB8AC3E}">
+        <p14:creationId xmlns:p14="http://schemas.microsoft.com/office/powerpoint/2010/main" val="4275793777"/>
       </p:ext>
     </p:extLst>
   </p:cSld>
